--- a/Nishida/crescita.pptx
+++ b/Nishida/crescita.pptx
@@ -8,9 +8,9 @@
     <p:sldId id="262" r:id="rId2"/>
     <p:sldId id="264" r:id="rId3"/>
     <p:sldId id="256" r:id="rId4"/>
-    <p:sldId id="257" r:id="rId5"/>
-    <p:sldId id="258" r:id="rId6"/>
-    <p:sldId id="259" r:id="rId7"/>
+    <p:sldId id="258" r:id="rId5"/>
+    <p:sldId id="259" r:id="rId6"/>
+    <p:sldId id="257" r:id="rId7"/>
     <p:sldId id="260" r:id="rId8"/>
   </p:sldIdLst>
   <p:sldSz cx="12192000" cy="6858000"/>
@@ -969,7 +969,7 @@
             <a:fld id="{B61BEF0D-F0BB-DE4B-95CE-6DB70DBA9567}" type="datetimeFigureOut">
               <a:rPr lang="en-US" dirty="0"/>
               <a:pPr/>
-              <a:t>10/23/2023</a:t>
+              <a:t>11/1/2023</a:t>
             </a:fld>
             <a:endParaRPr lang="en-US" dirty="0"/>
           </a:p>
@@ -1309,7 +1309,7 @@
             <a:fld id="{B61BEF0D-F0BB-DE4B-95CE-6DB70DBA9567}" type="datetimeFigureOut">
               <a:rPr lang="en-US" dirty="0"/>
               <a:pPr/>
-              <a:t>10/23/2023</a:t>
+              <a:t>11/1/2023</a:t>
             </a:fld>
             <a:endParaRPr lang="en-US" dirty="0"/>
           </a:p>
@@ -1712,7 +1712,7 @@
             <a:fld id="{B61BEF0D-F0BB-DE4B-95CE-6DB70DBA9567}" type="datetimeFigureOut">
               <a:rPr lang="en-US" dirty="0"/>
               <a:pPr/>
-              <a:t>10/23/2023</a:t>
+              <a:t>11/1/2023</a:t>
             </a:fld>
             <a:endParaRPr lang="en-US" dirty="0"/>
           </a:p>
@@ -2050,7 +2050,7 @@
             <a:fld id="{B61BEF0D-F0BB-DE4B-95CE-6DB70DBA9567}" type="datetimeFigureOut">
               <a:rPr lang="en-US" dirty="0"/>
               <a:pPr/>
-              <a:t>10/23/2023</a:t>
+              <a:t>11/1/2023</a:t>
             </a:fld>
             <a:endParaRPr lang="en-US" dirty="0"/>
           </a:p>
@@ -2372,7 +2372,7 @@
             <a:fld id="{B61BEF0D-F0BB-DE4B-95CE-6DB70DBA9567}" type="datetimeFigureOut">
               <a:rPr lang="en-US" dirty="0"/>
               <a:pPr/>
-              <a:t>10/23/2023</a:t>
+              <a:t>11/1/2023</a:t>
             </a:fld>
             <a:endParaRPr lang="en-US" dirty="0"/>
           </a:p>
@@ -2770,7 +2770,7 @@
             <a:fld id="{B61BEF0D-F0BB-DE4B-95CE-6DB70DBA9567}" type="datetimeFigureOut">
               <a:rPr lang="en-US" dirty="0"/>
               <a:pPr/>
-              <a:t>10/23/2023</a:t>
+              <a:t>11/1/2023</a:t>
             </a:fld>
             <a:endParaRPr lang="en-US" dirty="0"/>
           </a:p>
@@ -3061,7 +3061,7 @@
             <a:fld id="{B61BEF0D-F0BB-DE4B-95CE-6DB70DBA9567}" type="datetimeFigureOut">
               <a:rPr lang="en-US" dirty="0"/>
               <a:pPr/>
-              <a:t>10/23/2023</a:t>
+              <a:t>11/1/2023</a:t>
             </a:fld>
             <a:endParaRPr lang="en-US" dirty="0"/>
           </a:p>
@@ -3357,7 +3357,7 @@
             <a:fld id="{B61BEF0D-F0BB-DE4B-95CE-6DB70DBA9567}" type="datetimeFigureOut">
               <a:rPr lang="en-US" dirty="0"/>
               <a:pPr/>
-              <a:t>10/23/2023</a:t>
+              <a:t>11/1/2023</a:t>
             </a:fld>
             <a:endParaRPr lang="en-US" dirty="0"/>
           </a:p>
@@ -3653,7 +3653,7 @@
             <a:fld id="{B61BEF0D-F0BB-DE4B-95CE-6DB70DBA9567}" type="datetimeFigureOut">
               <a:rPr lang="en-US" dirty="0"/>
               <a:pPr/>
-              <a:t>10/23/2023</a:t>
+              <a:t>11/1/2023</a:t>
             </a:fld>
             <a:endParaRPr lang="en-US" dirty="0"/>
           </a:p>
@@ -3984,7 +3984,7 @@
             <a:fld id="{B61BEF0D-F0BB-DE4B-95CE-6DB70DBA9567}" type="datetimeFigureOut">
               <a:rPr lang="en-US" dirty="0"/>
               <a:pPr/>
-              <a:t>10/23/2023</a:t>
+              <a:t>11/1/2023</a:t>
             </a:fld>
             <a:endParaRPr lang="en-US" dirty="0"/>
           </a:p>
@@ -4373,7 +4373,7 @@
             <a:fld id="{B61BEF0D-F0BB-DE4B-95CE-6DB70DBA9567}" type="datetimeFigureOut">
               <a:rPr lang="en-US" dirty="0"/>
               <a:pPr/>
-              <a:t>10/23/2023</a:t>
+              <a:t>11/1/2023</a:t>
             </a:fld>
             <a:endParaRPr lang="en-US" dirty="0"/>
           </a:p>
@@ -4896,7 +4896,7 @@
             <a:fld id="{B61BEF0D-F0BB-DE4B-95CE-6DB70DBA9567}" type="datetimeFigureOut">
               <a:rPr lang="en-US" dirty="0"/>
               <a:pPr/>
-              <a:t>10/23/2023</a:t>
+              <a:t>11/1/2023</a:t>
             </a:fld>
             <a:endParaRPr lang="en-US" dirty="0"/>
           </a:p>
@@ -5103,7 +5103,7 @@
             <a:fld id="{B61BEF0D-F0BB-DE4B-95CE-6DB70DBA9567}" type="datetimeFigureOut">
               <a:rPr lang="en-US" dirty="0"/>
               <a:pPr/>
-              <a:t>10/23/2023</a:t>
+              <a:t>11/1/2023</a:t>
             </a:fld>
             <a:endParaRPr lang="en-US" dirty="0"/>
           </a:p>
@@ -5282,7 +5282,7 @@
             <a:fld id="{B61BEF0D-F0BB-DE4B-95CE-6DB70DBA9567}" type="datetimeFigureOut">
               <a:rPr lang="en-US" dirty="0"/>
               <a:pPr/>
-              <a:t>10/23/2023</a:t>
+              <a:t>11/1/2023</a:t>
             </a:fld>
             <a:endParaRPr lang="en-US" dirty="0"/>
           </a:p>
@@ -5649,7 +5649,7 @@
             <a:fld id="{B61BEF0D-F0BB-DE4B-95CE-6DB70DBA9567}" type="datetimeFigureOut">
               <a:rPr lang="en-US" dirty="0"/>
               <a:pPr/>
-              <a:t>10/23/2023</a:t>
+              <a:t>11/1/2023</a:t>
             </a:fld>
             <a:endParaRPr lang="en-US" dirty="0"/>
           </a:p>
@@ -5996,7 +5996,7 @@
             <a:fld id="{B61BEF0D-F0BB-DE4B-95CE-6DB70DBA9567}" type="datetimeFigureOut">
               <a:rPr lang="en-US" dirty="0"/>
               <a:pPr/>
-              <a:t>10/23/2023</a:t>
+              <a:t>11/1/2023</a:t>
             </a:fld>
             <a:endParaRPr lang="en-US" dirty="0"/>
           </a:p>
@@ -8147,7 +8147,7 @@
             <a:fld id="{B61BEF0D-F0BB-DE4B-95CE-6DB70DBA9567}" type="datetimeFigureOut">
               <a:rPr lang="en-US" dirty="0"/>
               <a:pPr/>
-              <a:t>10/23/2023</a:t>
+              <a:t>11/1/2023</a:t>
             </a:fld>
             <a:endParaRPr lang="en-US" dirty="0"/>
           </a:p>
@@ -8680,8 +8680,8 @@
         </p:nvSpPr>
         <p:spPr>
           <a:xfrm>
-            <a:off x="4111838" y="2921168"/>
-            <a:ext cx="5339923" cy="1015663"/>
+            <a:off x="5234225" y="2921168"/>
+            <a:ext cx="1723549" cy="1015663"/>
           </a:xfrm>
           <a:prstGeom prst="rect">
             <a:avLst/>
@@ -8695,20 +8695,8 @@
           <a:lstStyle/>
           <a:p>
             <a:r>
-              <a:rPr kumimoji="1" lang="en-US" altLang="ja-JP" sz="6000" dirty="0" err="1"/>
-              <a:t>Crescita</a:t>
-            </a:r>
-            <a:r>
-              <a:rPr kumimoji="1" lang="en-US" altLang="ja-JP" sz="2800" dirty="0"/>
-              <a:t>(</a:t>
-            </a:r>
-            <a:r>
-              <a:rPr kumimoji="1" lang="ja-JP" altLang="en-US" sz="2800" dirty="0"/>
-              <a:t>クレッシタ</a:t>
-            </a:r>
-            <a:r>
-              <a:rPr kumimoji="1" lang="en-US" altLang="ja-JP" sz="2800" dirty="0"/>
-              <a:t>)</a:t>
+              <a:rPr kumimoji="1" lang="ja-JP" altLang="en-US" sz="6000" dirty="0"/>
+              <a:t>報告</a:t>
             </a:r>
             <a:endParaRPr kumimoji="1" lang="en-US" altLang="ja-JP" sz="6000" dirty="0"/>
           </a:p>
@@ -8793,8 +8781,8 @@
         </p:nvSpPr>
         <p:spPr>
           <a:xfrm>
-            <a:off x="2289107" y="1951672"/>
-            <a:ext cx="3130057" cy="2954655"/>
+            <a:off x="2480294" y="1646088"/>
+            <a:ext cx="7231411" cy="4431983"/>
           </a:xfrm>
           <a:prstGeom prst="rect">
             <a:avLst/>
@@ -8842,8 +8830,32 @@
           </a:p>
           <a:p>
             <a:r>
-              <a:rPr kumimoji="1" lang="ja-JP" altLang="en-US" sz="2400"/>
+              <a:rPr kumimoji="1" lang="ja-JP" altLang="en-US" sz="2400" dirty="0"/>
               <a:t>　　ボス</a:t>
+            </a:r>
+            <a:endParaRPr kumimoji="1" lang="en-US" altLang="ja-JP" sz="2400" dirty="0"/>
+          </a:p>
+          <a:p>
+            <a:endParaRPr kumimoji="1" lang="en-US" altLang="ja-JP" sz="2400" dirty="0"/>
+          </a:p>
+          <a:p>
+            <a:r>
+              <a:rPr kumimoji="1" lang="ja-JP" altLang="en-US" sz="2400" dirty="0"/>
+              <a:t>・複数人プレイ画面</a:t>
+            </a:r>
+            <a:endParaRPr kumimoji="1" lang="en-US" altLang="ja-JP" sz="2400" dirty="0"/>
+          </a:p>
+          <a:p>
+            <a:r>
+              <a:rPr kumimoji="1" lang="ja-JP" altLang="en-US" sz="2400" dirty="0"/>
+              <a:t>　　ルームへログイン</a:t>
+            </a:r>
+            <a:endParaRPr kumimoji="1" lang="en-US" altLang="ja-JP" sz="2400" dirty="0"/>
+          </a:p>
+          <a:p>
+            <a:r>
+              <a:rPr kumimoji="1" lang="ja-JP" altLang="en-US" sz="2400" dirty="0"/>
+              <a:t>　　ルームの最大人数になったらゲーム画面へ</a:t>
             </a:r>
             <a:endParaRPr kumimoji="1" lang="en-US" altLang="ja-JP" sz="2400" dirty="0"/>
           </a:p>
@@ -9204,6 +9216,587 @@
 </file>
 
 <file path=ppt/slides/slide4.xml><?xml version="1.0" encoding="utf-8"?>
+<p:sld xmlns:a="http://schemas.openxmlformats.org/drawingml/2006/main" xmlns:r="http://schemas.openxmlformats.org/officeDocument/2006/relationships" xmlns:p="http://schemas.openxmlformats.org/presentationml/2006/main">
+  <p:cSld>
+    <p:spTree>
+      <p:nvGrpSpPr>
+        <p:cNvPr id="1" name=""/>
+        <p:cNvGrpSpPr/>
+        <p:nvPr/>
+      </p:nvGrpSpPr>
+      <p:grpSpPr>
+        <a:xfrm>
+          <a:off x="0" y="0"/>
+          <a:ext cx="0" cy="0"/>
+          <a:chOff x="0" y="0"/>
+          <a:chExt cx="0" cy="0"/>
+        </a:xfrm>
+      </p:grpSpPr>
+      <p:sp>
+        <p:nvSpPr>
+          <p:cNvPr id="3" name="テキスト ボックス 2">
+            <a:extLst>
+              <a:ext uri="{FF2B5EF4-FFF2-40B4-BE49-F238E27FC236}">
+                <a16:creationId xmlns:a16="http://schemas.microsoft.com/office/drawing/2014/main" id="{EC405148-2E9A-41F2-AB15-7676A5E46A0A}"/>
+              </a:ext>
+            </a:extLst>
+          </p:cNvPr>
+          <p:cNvSpPr txBox="1"/>
+          <p:nvPr/>
+        </p:nvSpPr>
+        <p:spPr>
+          <a:xfrm>
+            <a:off x="3114805" y="739035"/>
+            <a:ext cx="5962389" cy="707886"/>
+          </a:xfrm>
+          <a:prstGeom prst="rect">
+            <a:avLst/>
+          </a:prstGeom>
+          <a:noFill/>
+        </p:spPr>
+        <p:txBody>
+          <a:bodyPr wrap="square" rtlCol="0">
+            <a:spAutoFit/>
+          </a:bodyPr>
+          <a:lstStyle/>
+          <a:p>
+            <a:pPr algn="ctr"/>
+            <a:r>
+              <a:rPr lang="ja-JP" altLang="en-US" sz="4000" dirty="0"/>
+              <a:t>一人プレイ</a:t>
+            </a:r>
+            <a:endParaRPr lang="en-US" altLang="ja-JP" sz="4000" dirty="0"/>
+          </a:p>
+        </p:txBody>
+      </p:sp>
+      <p:pic>
+        <p:nvPicPr>
+          <p:cNvPr id="4" name="図 3">
+            <a:extLst>
+              <a:ext uri="{FF2B5EF4-FFF2-40B4-BE49-F238E27FC236}">
+                <a16:creationId xmlns:a16="http://schemas.microsoft.com/office/drawing/2014/main" id="{184321E0-C73A-45D6-BCB5-5337CF3A19CD}"/>
+              </a:ext>
+            </a:extLst>
+          </p:cNvPr>
+          <p:cNvPicPr>
+            <a:picLocks noChangeAspect="1"/>
+          </p:cNvPicPr>
+          <p:nvPr/>
+        </p:nvPicPr>
+        <p:blipFill>
+          <a:blip r:embed="rId2">
+            <a:extLst>
+              <a:ext uri="{28A0092B-C50C-407E-A947-70E740481C1C}">
+                <a14:useLocalDpi xmlns:a14="http://schemas.microsoft.com/office/drawing/2010/main" val="0"/>
+              </a:ext>
+            </a:extLst>
+          </a:blip>
+          <a:stretch>
+            <a:fillRect/>
+          </a:stretch>
+        </p:blipFill>
+        <p:spPr>
+          <a:xfrm>
+            <a:off x="2282807" y="1824966"/>
+            <a:ext cx="7626384" cy="4293999"/>
+          </a:xfrm>
+          <a:prstGeom prst="rect">
+            <a:avLst/>
+          </a:prstGeom>
+        </p:spPr>
+      </p:pic>
+      <p:sp>
+        <p:nvSpPr>
+          <p:cNvPr id="6" name="矢印: 左 5">
+            <a:extLst>
+              <a:ext uri="{FF2B5EF4-FFF2-40B4-BE49-F238E27FC236}">
+                <a16:creationId xmlns:a16="http://schemas.microsoft.com/office/drawing/2014/main" id="{AB495C6A-9B75-41E0-B56E-FE965746EBEC}"/>
+              </a:ext>
+            </a:extLst>
+          </p:cNvPr>
+          <p:cNvSpPr/>
+          <p:nvPr/>
+        </p:nvSpPr>
+        <p:spPr>
+          <a:xfrm rot="1732995">
+            <a:off x="7116321" y="4231698"/>
+            <a:ext cx="2317315" cy="1490597"/>
+          </a:xfrm>
+          <a:prstGeom prst="leftArrow">
+            <a:avLst/>
+          </a:prstGeom>
+        </p:spPr>
+        <p:style>
+          <a:lnRef idx="2">
+            <a:schemeClr val="accent1">
+              <a:shade val="50000"/>
+            </a:schemeClr>
+          </a:lnRef>
+          <a:fillRef idx="1">
+            <a:schemeClr val="accent1"/>
+          </a:fillRef>
+          <a:effectRef idx="0">
+            <a:schemeClr val="accent1"/>
+          </a:effectRef>
+          <a:fontRef idx="minor">
+            <a:schemeClr val="lt1"/>
+          </a:fontRef>
+        </p:style>
+        <p:txBody>
+          <a:bodyPr rtlCol="0" anchor="ctr"/>
+          <a:lstStyle/>
+          <a:p>
+            <a:pPr algn="ctr"/>
+            <a:r>
+              <a:rPr kumimoji="1" lang="ja-JP" altLang="en-US" dirty="0"/>
+              <a:t>進行方向</a:t>
+            </a:r>
+          </a:p>
+        </p:txBody>
+      </p:sp>
+      <p:sp>
+        <p:nvSpPr>
+          <p:cNvPr id="7" name="楕円 6">
+            <a:extLst>
+              <a:ext uri="{FF2B5EF4-FFF2-40B4-BE49-F238E27FC236}">
+                <a16:creationId xmlns:a16="http://schemas.microsoft.com/office/drawing/2014/main" id="{5A6ECDD0-BC98-4478-9BD3-1AA5F011713A}"/>
+              </a:ext>
+            </a:extLst>
+          </p:cNvPr>
+          <p:cNvSpPr/>
+          <p:nvPr/>
+        </p:nvSpPr>
+        <p:spPr>
+          <a:xfrm>
+            <a:off x="6129401" y="1813737"/>
+            <a:ext cx="926926" cy="893182"/>
+          </a:xfrm>
+          <a:prstGeom prst="ellipse">
+            <a:avLst/>
+          </a:prstGeom>
+          <a:noFill/>
+          <a:ln w="76200"/>
+        </p:spPr>
+        <p:style>
+          <a:lnRef idx="2">
+            <a:schemeClr val="accent1">
+              <a:shade val="50000"/>
+            </a:schemeClr>
+          </a:lnRef>
+          <a:fillRef idx="1">
+            <a:schemeClr val="accent1"/>
+          </a:fillRef>
+          <a:effectRef idx="0">
+            <a:schemeClr val="accent1"/>
+          </a:effectRef>
+          <a:fontRef idx="minor">
+            <a:schemeClr val="lt1"/>
+          </a:fontRef>
+        </p:style>
+        <p:txBody>
+          <a:bodyPr rtlCol="0" anchor="ctr"/>
+          <a:lstStyle/>
+          <a:p>
+            <a:pPr algn="ctr"/>
+            <a:endParaRPr kumimoji="1" lang="ja-JP" altLang="en-US"/>
+          </a:p>
+        </p:txBody>
+      </p:sp>
+      <p:sp>
+        <p:nvSpPr>
+          <p:cNvPr id="8" name="テキスト ボックス 7">
+            <a:extLst>
+              <a:ext uri="{FF2B5EF4-FFF2-40B4-BE49-F238E27FC236}">
+                <a16:creationId xmlns:a16="http://schemas.microsoft.com/office/drawing/2014/main" id="{39D673CB-2283-4E9F-9550-BBAF450E3F3A}"/>
+              </a:ext>
+            </a:extLst>
+          </p:cNvPr>
+          <p:cNvSpPr txBox="1"/>
+          <p:nvPr/>
+        </p:nvSpPr>
+        <p:spPr>
+          <a:xfrm>
+            <a:off x="7685171" y="963608"/>
+            <a:ext cx="3877985" cy="2062103"/>
+          </a:xfrm>
+          <a:prstGeom prst="rect">
+            <a:avLst/>
+          </a:prstGeom>
+          <a:solidFill>
+            <a:schemeClr val="bg1">
+              <a:lumMod val="95000"/>
+            </a:schemeClr>
+          </a:solidFill>
+        </p:spPr>
+        <p:txBody>
+          <a:bodyPr wrap="none" rtlCol="0">
+            <a:spAutoFit/>
+          </a:bodyPr>
+          <a:lstStyle/>
+          <a:p>
+            <a:r>
+              <a:rPr kumimoji="1" lang="ja-JP" altLang="en-US" sz="3200" dirty="0"/>
+              <a:t>敵を倒して経験値</a:t>
+            </a:r>
+            <a:r>
+              <a:rPr lang="ja-JP" altLang="en-US" sz="3200" dirty="0"/>
+              <a:t>＆</a:t>
+            </a:r>
+            <a:endParaRPr lang="en-US" altLang="ja-JP" sz="3200" dirty="0"/>
+          </a:p>
+          <a:p>
+            <a:r>
+              <a:rPr lang="ja-JP" altLang="en-US" sz="3200" dirty="0"/>
+              <a:t>素材</a:t>
+            </a:r>
+            <a:r>
+              <a:rPr kumimoji="1" lang="ja-JP" altLang="en-US" sz="3200" dirty="0"/>
+              <a:t>を取得</a:t>
+            </a:r>
+            <a:endParaRPr kumimoji="1" lang="en-US" altLang="ja-JP" sz="3200" dirty="0"/>
+          </a:p>
+          <a:p>
+            <a:endParaRPr lang="en-US" altLang="ja-JP" sz="3200" dirty="0"/>
+          </a:p>
+          <a:p>
+            <a:r>
+              <a:rPr lang="ja-JP" altLang="en-US" sz="3200" dirty="0"/>
+              <a:t>自分を強くしていく</a:t>
+            </a:r>
+            <a:endParaRPr kumimoji="1" lang="en-US" altLang="ja-JP" sz="3200" dirty="0"/>
+          </a:p>
+        </p:txBody>
+      </p:sp>
+      <p:cxnSp>
+        <p:nvCxnSpPr>
+          <p:cNvPr id="12" name="直線矢印コネクタ 11">
+            <a:extLst>
+              <a:ext uri="{FF2B5EF4-FFF2-40B4-BE49-F238E27FC236}">
+                <a16:creationId xmlns:a16="http://schemas.microsoft.com/office/drawing/2014/main" id="{37FD8326-016D-41B9-A387-6BAFF5183D28}"/>
+              </a:ext>
+            </a:extLst>
+          </p:cNvPr>
+          <p:cNvCxnSpPr>
+            <a:stCxn id="8" idx="1"/>
+            <a:endCxn id="7" idx="6"/>
+          </p:cNvCxnSpPr>
+          <p:nvPr/>
+        </p:nvCxnSpPr>
+        <p:spPr>
+          <a:xfrm flipH="1">
+            <a:off x="7056327" y="1994660"/>
+            <a:ext cx="628844" cy="265668"/>
+          </a:xfrm>
+          <a:prstGeom prst="straightConnector1">
+            <a:avLst/>
+          </a:prstGeom>
+          <a:ln w="57150">
+            <a:tailEnd type="triangle"/>
+          </a:ln>
+        </p:spPr>
+        <p:style>
+          <a:lnRef idx="1">
+            <a:schemeClr val="accent1"/>
+          </a:lnRef>
+          <a:fillRef idx="0">
+            <a:schemeClr val="accent1"/>
+          </a:fillRef>
+          <a:effectRef idx="0">
+            <a:schemeClr val="accent1"/>
+          </a:effectRef>
+          <a:fontRef idx="minor">
+            <a:schemeClr val="tx1"/>
+          </a:fontRef>
+        </p:style>
+      </p:cxnSp>
+    </p:spTree>
+    <p:extLst>
+      <p:ext uri="{BB962C8B-B14F-4D97-AF65-F5344CB8AC3E}">
+        <p14:creationId xmlns:p14="http://schemas.microsoft.com/office/powerpoint/2010/main" val="273807806"/>
+      </p:ext>
+    </p:extLst>
+  </p:cSld>
+  <p:clrMapOvr>
+    <a:masterClrMapping/>
+  </p:clrMapOvr>
+</p:sld>
+</file>
+
+<file path=ppt/slides/slide5.xml><?xml version="1.0" encoding="utf-8"?>
+<p:sld xmlns:a="http://schemas.openxmlformats.org/drawingml/2006/main" xmlns:r="http://schemas.openxmlformats.org/officeDocument/2006/relationships" xmlns:p="http://schemas.openxmlformats.org/presentationml/2006/main">
+  <p:cSld>
+    <p:spTree>
+      <p:nvGrpSpPr>
+        <p:cNvPr id="1" name=""/>
+        <p:cNvGrpSpPr/>
+        <p:nvPr/>
+      </p:nvGrpSpPr>
+      <p:grpSpPr>
+        <a:xfrm>
+          <a:off x="0" y="0"/>
+          <a:ext cx="0" cy="0"/>
+          <a:chOff x="0" y="0"/>
+          <a:chExt cx="0" cy="0"/>
+        </a:xfrm>
+      </p:grpSpPr>
+      <p:sp>
+        <p:nvSpPr>
+          <p:cNvPr id="3" name="テキスト ボックス 2">
+            <a:extLst>
+              <a:ext uri="{FF2B5EF4-FFF2-40B4-BE49-F238E27FC236}">
+                <a16:creationId xmlns:a16="http://schemas.microsoft.com/office/drawing/2014/main" id="{EC405148-2E9A-41F2-AB15-7676A5E46A0A}"/>
+              </a:ext>
+            </a:extLst>
+          </p:cNvPr>
+          <p:cNvSpPr txBox="1"/>
+          <p:nvPr/>
+        </p:nvSpPr>
+        <p:spPr>
+          <a:xfrm>
+            <a:off x="3114805" y="739035"/>
+            <a:ext cx="5962389" cy="707886"/>
+          </a:xfrm>
+          <a:prstGeom prst="rect">
+            <a:avLst/>
+          </a:prstGeom>
+          <a:noFill/>
+        </p:spPr>
+        <p:txBody>
+          <a:bodyPr wrap="square" rtlCol="0">
+            <a:spAutoFit/>
+          </a:bodyPr>
+          <a:lstStyle/>
+          <a:p>
+            <a:pPr algn="ctr"/>
+            <a:r>
+              <a:rPr lang="ja-JP" altLang="en-US" sz="4000" dirty="0"/>
+              <a:t>複数人プレイ</a:t>
+            </a:r>
+            <a:endParaRPr lang="en-US" altLang="ja-JP" sz="4000" dirty="0"/>
+          </a:p>
+        </p:txBody>
+      </p:sp>
+      <p:pic>
+        <p:nvPicPr>
+          <p:cNvPr id="4" name="図 3">
+            <a:extLst>
+              <a:ext uri="{FF2B5EF4-FFF2-40B4-BE49-F238E27FC236}">
+                <a16:creationId xmlns:a16="http://schemas.microsoft.com/office/drawing/2014/main" id="{A1EF6488-0B8E-44CC-99E3-53BB69759ED4}"/>
+              </a:ext>
+            </a:extLst>
+          </p:cNvPr>
+          <p:cNvPicPr>
+            <a:picLocks noChangeAspect="1"/>
+          </p:cNvPicPr>
+          <p:nvPr/>
+        </p:nvPicPr>
+        <p:blipFill>
+          <a:blip r:embed="rId2">
+            <a:extLst>
+              <a:ext uri="{28A0092B-C50C-407E-A947-70E740481C1C}">
+                <a14:useLocalDpi xmlns:a14="http://schemas.microsoft.com/office/drawing/2010/main" val="0"/>
+              </a:ext>
+            </a:extLst>
+          </a:blip>
+          <a:stretch>
+            <a:fillRect/>
+          </a:stretch>
+        </p:blipFill>
+        <p:spPr>
+          <a:xfrm>
+            <a:off x="3114805" y="3102948"/>
+            <a:ext cx="5962389" cy="3365941"/>
+          </a:xfrm>
+          <a:prstGeom prst="rect">
+            <a:avLst/>
+          </a:prstGeom>
+        </p:spPr>
+      </p:pic>
+      <p:sp>
+        <p:nvSpPr>
+          <p:cNvPr id="6" name="テキスト ボックス 5">
+            <a:extLst>
+              <a:ext uri="{FF2B5EF4-FFF2-40B4-BE49-F238E27FC236}">
+                <a16:creationId xmlns:a16="http://schemas.microsoft.com/office/drawing/2014/main" id="{CF6FA2DE-4E09-4641-87BD-B7407D04139C}"/>
+              </a:ext>
+            </a:extLst>
+          </p:cNvPr>
+          <p:cNvSpPr txBox="1"/>
+          <p:nvPr/>
+        </p:nvSpPr>
+        <p:spPr>
+          <a:xfrm>
+            <a:off x="1899978" y="2129062"/>
+            <a:ext cx="8392041" cy="584775"/>
+          </a:xfrm>
+          <a:prstGeom prst="rect">
+            <a:avLst/>
+          </a:prstGeom>
+          <a:noFill/>
+        </p:spPr>
+        <p:txBody>
+          <a:bodyPr wrap="none" rtlCol="0">
+            <a:spAutoFit/>
+          </a:bodyPr>
+          <a:lstStyle/>
+          <a:p>
+            <a:pPr algn="ctr"/>
+            <a:r>
+              <a:rPr kumimoji="1" lang="ja-JP" altLang="en-US" sz="3200" dirty="0"/>
+              <a:t>別の場所にいる仲間と合流して、ボスを倒す</a:t>
+            </a:r>
+          </a:p>
+        </p:txBody>
+      </p:sp>
+      <p:sp>
+        <p:nvSpPr>
+          <p:cNvPr id="7" name="楕円 6">
+            <a:extLst>
+              <a:ext uri="{FF2B5EF4-FFF2-40B4-BE49-F238E27FC236}">
+                <a16:creationId xmlns:a16="http://schemas.microsoft.com/office/drawing/2014/main" id="{55B323BC-9FE2-4198-9E29-861D9659DDB1}"/>
+              </a:ext>
+            </a:extLst>
+          </p:cNvPr>
+          <p:cNvSpPr/>
+          <p:nvPr/>
+        </p:nvSpPr>
+        <p:spPr>
+          <a:xfrm>
+            <a:off x="3206663" y="2713837"/>
+            <a:ext cx="2889337" cy="2309100"/>
+          </a:xfrm>
+          <a:prstGeom prst="ellipse">
+            <a:avLst/>
+          </a:prstGeom>
+          <a:noFill/>
+          <a:ln w="76200"/>
+        </p:spPr>
+        <p:style>
+          <a:lnRef idx="2">
+            <a:schemeClr val="accent1">
+              <a:shade val="50000"/>
+            </a:schemeClr>
+          </a:lnRef>
+          <a:fillRef idx="1">
+            <a:schemeClr val="accent1"/>
+          </a:fillRef>
+          <a:effectRef idx="0">
+            <a:schemeClr val="accent1"/>
+          </a:effectRef>
+          <a:fontRef idx="minor">
+            <a:schemeClr val="lt1"/>
+          </a:fontRef>
+        </p:style>
+        <p:txBody>
+          <a:bodyPr rtlCol="0" anchor="ctr"/>
+          <a:lstStyle/>
+          <a:p>
+            <a:pPr algn="ctr"/>
+            <a:endParaRPr kumimoji="1" lang="ja-JP" altLang="en-US"/>
+          </a:p>
+        </p:txBody>
+      </p:sp>
+      <p:sp>
+        <p:nvSpPr>
+          <p:cNvPr id="8" name="テキスト ボックス 7">
+            <a:extLst>
+              <a:ext uri="{FF2B5EF4-FFF2-40B4-BE49-F238E27FC236}">
+                <a16:creationId xmlns:a16="http://schemas.microsoft.com/office/drawing/2014/main" id="{99A890AD-58E2-4C78-9ACA-DA087910BAA2}"/>
+              </a:ext>
+            </a:extLst>
+          </p:cNvPr>
+          <p:cNvSpPr txBox="1"/>
+          <p:nvPr/>
+        </p:nvSpPr>
+        <p:spPr>
+          <a:xfrm>
+            <a:off x="865016" y="3128000"/>
+            <a:ext cx="800219" cy="461665"/>
+          </a:xfrm>
+          <a:prstGeom prst="rect">
+            <a:avLst/>
+          </a:prstGeom>
+          <a:noFill/>
+        </p:spPr>
+        <p:txBody>
+          <a:bodyPr wrap="none" rtlCol="0">
+            <a:spAutoFit/>
+          </a:bodyPr>
+          <a:lstStyle/>
+          <a:p>
+            <a:r>
+              <a:rPr kumimoji="1" lang="ja-JP" altLang="en-US" sz="2400" dirty="0">
+                <a:solidFill>
+                  <a:schemeClr val="accent6">
+                    <a:lumMod val="50000"/>
+                  </a:schemeClr>
+                </a:solidFill>
+                <a:highlight>
+                  <a:srgbClr val="00FF00"/>
+                </a:highlight>
+              </a:rPr>
+              <a:t>ボス</a:t>
+            </a:r>
+          </a:p>
+        </p:txBody>
+      </p:sp>
+      <p:cxnSp>
+        <p:nvCxnSpPr>
+          <p:cNvPr id="10" name="直線矢印コネクタ 9">
+            <a:extLst>
+              <a:ext uri="{FF2B5EF4-FFF2-40B4-BE49-F238E27FC236}">
+                <a16:creationId xmlns:a16="http://schemas.microsoft.com/office/drawing/2014/main" id="{5ABBFACE-760F-4F0C-BC70-EC47E074C515}"/>
+              </a:ext>
+            </a:extLst>
+          </p:cNvPr>
+          <p:cNvCxnSpPr>
+            <a:cxnSpLocks/>
+            <a:stCxn id="8" idx="3"/>
+            <a:endCxn id="7" idx="2"/>
+          </p:cNvCxnSpPr>
+          <p:nvPr/>
+        </p:nvCxnSpPr>
+        <p:spPr>
+          <a:xfrm>
+            <a:off x="1665235" y="3358833"/>
+            <a:ext cx="1541428" cy="509554"/>
+          </a:xfrm>
+          <a:prstGeom prst="straightConnector1">
+            <a:avLst/>
+          </a:prstGeom>
+          <a:ln w="57150">
+            <a:tailEnd type="triangle"/>
+          </a:ln>
+        </p:spPr>
+        <p:style>
+          <a:lnRef idx="1">
+            <a:schemeClr val="accent1"/>
+          </a:lnRef>
+          <a:fillRef idx="0">
+            <a:schemeClr val="accent1"/>
+          </a:fillRef>
+          <a:effectRef idx="0">
+            <a:schemeClr val="accent1"/>
+          </a:effectRef>
+          <a:fontRef idx="minor">
+            <a:schemeClr val="tx1"/>
+          </a:fontRef>
+        </p:style>
+      </p:cxnSp>
+    </p:spTree>
+    <p:extLst>
+      <p:ext uri="{BB962C8B-B14F-4D97-AF65-F5344CB8AC3E}">
+        <p14:creationId xmlns:p14="http://schemas.microsoft.com/office/powerpoint/2010/main" val="3937956277"/>
+      </p:ext>
+    </p:extLst>
+  </p:cSld>
+  <p:clrMapOvr>
+    <a:masterClrMapping/>
+  </p:clrMapOvr>
+</p:sld>
+</file>
+
+<file path=ppt/slides/slide6.xml><?xml version="1.0" encoding="utf-8"?>
 <p:sld xmlns:a="http://schemas.openxmlformats.org/drawingml/2006/main" xmlns:r="http://schemas.openxmlformats.org/officeDocument/2006/relationships" xmlns:p="http://schemas.openxmlformats.org/presentationml/2006/main">
   <p:cSld>
     <p:spTree>
@@ -9427,51 +10020,6 @@
       </p:sp>
       <p:sp>
         <p:nvSpPr>
-          <p:cNvPr id="9" name="TextBox 2">
-            <a:extLst>
-              <a:ext uri="{FF2B5EF4-FFF2-40B4-BE49-F238E27FC236}">
-                <a16:creationId xmlns:a16="http://schemas.microsoft.com/office/drawing/2014/main" id="{1987D4C4-4A9C-4CD9-8D15-0AFACDFCFAE9}"/>
-              </a:ext>
-            </a:extLst>
-          </p:cNvPr>
-          <p:cNvSpPr txBox="1"/>
-          <p:nvPr/>
-        </p:nvSpPr>
-        <p:spPr>
-          <a:xfrm>
-            <a:off x="583525" y="1451230"/>
-            <a:ext cx="3854085" cy="523220"/>
-          </a:xfrm>
-          <a:prstGeom prst="rect">
-            <a:avLst/>
-          </a:prstGeom>
-          <a:solidFill>
-            <a:schemeClr val="bg1"/>
-          </a:solidFill>
-        </p:spPr>
-        <p:txBody>
-          <a:bodyPr rot="0" spcFirstLastPara="0" vertOverflow="overflow" horzOverflow="overflow" vert="horz" wrap="square" lIns="91440" tIns="45720" rIns="91440" bIns="45720" numCol="1" spcCol="0" rtlCol="0" fromWordArt="0" anchor="t" anchorCtr="0" forceAA="0" compatLnSpc="1">
-            <a:prstTxWarp prst="textNoShape">
-              <a:avLst/>
-            </a:prstTxWarp>
-            <a:spAutoFit/>
-          </a:bodyPr>
-          <a:lstStyle/>
-          <a:p>
-            <a:r>
-              <a:rPr lang="ja-JP" altLang="en-US" sz="2800" dirty="0">
-                <a:ea typeface="游ゴシック"/>
-              </a:rPr>
-              <a:t>ペットショップ　購入</a:t>
-            </a:r>
-            <a:endParaRPr lang="ja-JP" altLang="en-US" sz="2000" dirty="0">
-              <a:ea typeface="游ゴシック"/>
-            </a:endParaRPr>
-          </a:p>
-        </p:txBody>
-      </p:sp>
-      <p:sp>
-        <p:nvSpPr>
           <p:cNvPr id="10" name="楕円 9">
             <a:extLst>
               <a:ext uri="{FF2B5EF4-FFF2-40B4-BE49-F238E27FC236}">
@@ -9524,58 +10072,6 @@
       </p:sp>
       <p:sp>
         <p:nvSpPr>
-          <p:cNvPr id="11" name="楕円 10">
-            <a:extLst>
-              <a:ext uri="{FF2B5EF4-FFF2-40B4-BE49-F238E27FC236}">
-                <a16:creationId xmlns:a16="http://schemas.microsoft.com/office/drawing/2014/main" id="{26309AFD-991E-413E-8865-7224533CD346}"/>
-              </a:ext>
-            </a:extLst>
-          </p:cNvPr>
-          <p:cNvSpPr/>
-          <p:nvPr/>
-        </p:nvSpPr>
-        <p:spPr>
-          <a:xfrm>
-            <a:off x="4634049" y="1985374"/>
-            <a:ext cx="1323232" cy="1121387"/>
-          </a:xfrm>
-          <a:prstGeom prst="ellipse">
-            <a:avLst/>
-          </a:prstGeom>
-          <a:noFill/>
-          <a:ln w="38100">
-            <a:solidFill>
-              <a:srgbClr val="FFFF00"/>
-            </a:solidFill>
-          </a:ln>
-        </p:spPr>
-        <p:style>
-          <a:lnRef idx="2">
-            <a:schemeClr val="accent1">
-              <a:shade val="50000"/>
-            </a:schemeClr>
-          </a:lnRef>
-          <a:fillRef idx="1">
-            <a:schemeClr val="accent1"/>
-          </a:fillRef>
-          <a:effectRef idx="0">
-            <a:schemeClr val="accent1"/>
-          </a:effectRef>
-          <a:fontRef idx="minor">
-            <a:schemeClr val="lt1"/>
-          </a:fontRef>
-        </p:style>
-        <p:txBody>
-          <a:bodyPr rtlCol="0" anchor="ctr"/>
-          <a:lstStyle/>
-          <a:p>
-            <a:pPr algn="ctr"/>
-            <a:endParaRPr kumimoji="1" lang="ja-JP" altLang="en-US"/>
-          </a:p>
-        </p:txBody>
-      </p:sp>
-      <p:sp>
-        <p:nvSpPr>
           <p:cNvPr id="12" name="楕円 11">
             <a:extLst>
               <a:ext uri="{FF2B5EF4-FFF2-40B4-BE49-F238E27FC236}">
@@ -9697,52 +10193,6 @@
           <a:xfrm flipV="1">
             <a:off x="3349553" y="4624973"/>
             <a:ext cx="573142" cy="148743"/>
-          </a:xfrm>
-          <a:prstGeom prst="straightConnector1">
-            <a:avLst/>
-          </a:prstGeom>
-          <a:ln w="57150">
-            <a:solidFill>
-              <a:srgbClr val="FFFF00"/>
-            </a:solidFill>
-            <a:tailEnd type="triangle"/>
-          </a:ln>
-        </p:spPr>
-        <p:style>
-          <a:lnRef idx="1">
-            <a:schemeClr val="accent1"/>
-          </a:lnRef>
-          <a:fillRef idx="0">
-            <a:schemeClr val="accent1"/>
-          </a:fillRef>
-          <a:effectRef idx="0">
-            <a:schemeClr val="accent1"/>
-          </a:effectRef>
-          <a:fontRef idx="minor">
-            <a:schemeClr val="tx1"/>
-          </a:fontRef>
-        </p:style>
-      </p:cxnSp>
-      <p:cxnSp>
-        <p:nvCxnSpPr>
-          <p:cNvPr id="18" name="直線矢印コネクタ 17">
-            <a:extLst>
-              <a:ext uri="{FF2B5EF4-FFF2-40B4-BE49-F238E27FC236}">
-                <a16:creationId xmlns:a16="http://schemas.microsoft.com/office/drawing/2014/main" id="{CC271AD6-A2D3-4E36-BDC9-EDC0A90CADEC}"/>
-              </a:ext>
-            </a:extLst>
-          </p:cNvPr>
-          <p:cNvCxnSpPr>
-            <a:cxnSpLocks/>
-            <a:stCxn id="9" idx="3"/>
-            <a:endCxn id="11" idx="0"/>
-          </p:cNvCxnSpPr>
-          <p:nvPr/>
-        </p:nvCxnSpPr>
-        <p:spPr>
-          <a:xfrm>
-            <a:off x="4437610" y="1712840"/>
-            <a:ext cx="858055" cy="272534"/>
           </a:xfrm>
           <a:prstGeom prst="straightConnector1">
             <a:avLst/>
@@ -9874,587 +10324,6 @@
 </p:sld>
 </file>
 
-<file path=ppt/slides/slide5.xml><?xml version="1.0" encoding="utf-8"?>
-<p:sld xmlns:a="http://schemas.openxmlformats.org/drawingml/2006/main" xmlns:r="http://schemas.openxmlformats.org/officeDocument/2006/relationships" xmlns:p="http://schemas.openxmlformats.org/presentationml/2006/main">
-  <p:cSld>
-    <p:spTree>
-      <p:nvGrpSpPr>
-        <p:cNvPr id="1" name=""/>
-        <p:cNvGrpSpPr/>
-        <p:nvPr/>
-      </p:nvGrpSpPr>
-      <p:grpSpPr>
-        <a:xfrm>
-          <a:off x="0" y="0"/>
-          <a:ext cx="0" cy="0"/>
-          <a:chOff x="0" y="0"/>
-          <a:chExt cx="0" cy="0"/>
-        </a:xfrm>
-      </p:grpSpPr>
-      <p:sp>
-        <p:nvSpPr>
-          <p:cNvPr id="3" name="テキスト ボックス 2">
-            <a:extLst>
-              <a:ext uri="{FF2B5EF4-FFF2-40B4-BE49-F238E27FC236}">
-                <a16:creationId xmlns:a16="http://schemas.microsoft.com/office/drawing/2014/main" id="{EC405148-2E9A-41F2-AB15-7676A5E46A0A}"/>
-              </a:ext>
-            </a:extLst>
-          </p:cNvPr>
-          <p:cNvSpPr txBox="1"/>
-          <p:nvPr/>
-        </p:nvSpPr>
-        <p:spPr>
-          <a:xfrm>
-            <a:off x="3114805" y="739035"/>
-            <a:ext cx="5962389" cy="707886"/>
-          </a:xfrm>
-          <a:prstGeom prst="rect">
-            <a:avLst/>
-          </a:prstGeom>
-          <a:noFill/>
-        </p:spPr>
-        <p:txBody>
-          <a:bodyPr wrap="square" rtlCol="0">
-            <a:spAutoFit/>
-          </a:bodyPr>
-          <a:lstStyle/>
-          <a:p>
-            <a:pPr algn="ctr"/>
-            <a:r>
-              <a:rPr lang="ja-JP" altLang="en-US" sz="4000" dirty="0"/>
-              <a:t>一人プレイ</a:t>
-            </a:r>
-            <a:endParaRPr lang="en-US" altLang="ja-JP" sz="4000" dirty="0"/>
-          </a:p>
-        </p:txBody>
-      </p:sp>
-      <p:pic>
-        <p:nvPicPr>
-          <p:cNvPr id="4" name="図 3">
-            <a:extLst>
-              <a:ext uri="{FF2B5EF4-FFF2-40B4-BE49-F238E27FC236}">
-                <a16:creationId xmlns:a16="http://schemas.microsoft.com/office/drawing/2014/main" id="{184321E0-C73A-45D6-BCB5-5337CF3A19CD}"/>
-              </a:ext>
-            </a:extLst>
-          </p:cNvPr>
-          <p:cNvPicPr>
-            <a:picLocks noChangeAspect="1"/>
-          </p:cNvPicPr>
-          <p:nvPr/>
-        </p:nvPicPr>
-        <p:blipFill>
-          <a:blip r:embed="rId2">
-            <a:extLst>
-              <a:ext uri="{28A0092B-C50C-407E-A947-70E740481C1C}">
-                <a14:useLocalDpi xmlns:a14="http://schemas.microsoft.com/office/drawing/2010/main" val="0"/>
-              </a:ext>
-            </a:extLst>
-          </a:blip>
-          <a:stretch>
-            <a:fillRect/>
-          </a:stretch>
-        </p:blipFill>
-        <p:spPr>
-          <a:xfrm>
-            <a:off x="2282807" y="1824966"/>
-            <a:ext cx="7626384" cy="4293999"/>
-          </a:xfrm>
-          <a:prstGeom prst="rect">
-            <a:avLst/>
-          </a:prstGeom>
-        </p:spPr>
-      </p:pic>
-      <p:sp>
-        <p:nvSpPr>
-          <p:cNvPr id="6" name="矢印: 左 5">
-            <a:extLst>
-              <a:ext uri="{FF2B5EF4-FFF2-40B4-BE49-F238E27FC236}">
-                <a16:creationId xmlns:a16="http://schemas.microsoft.com/office/drawing/2014/main" id="{AB495C6A-9B75-41E0-B56E-FE965746EBEC}"/>
-              </a:ext>
-            </a:extLst>
-          </p:cNvPr>
-          <p:cNvSpPr/>
-          <p:nvPr/>
-        </p:nvSpPr>
-        <p:spPr>
-          <a:xfrm rot="1732995">
-            <a:off x="7116321" y="4231698"/>
-            <a:ext cx="2317315" cy="1490597"/>
-          </a:xfrm>
-          <a:prstGeom prst="leftArrow">
-            <a:avLst/>
-          </a:prstGeom>
-        </p:spPr>
-        <p:style>
-          <a:lnRef idx="2">
-            <a:schemeClr val="accent1">
-              <a:shade val="50000"/>
-            </a:schemeClr>
-          </a:lnRef>
-          <a:fillRef idx="1">
-            <a:schemeClr val="accent1"/>
-          </a:fillRef>
-          <a:effectRef idx="0">
-            <a:schemeClr val="accent1"/>
-          </a:effectRef>
-          <a:fontRef idx="minor">
-            <a:schemeClr val="lt1"/>
-          </a:fontRef>
-        </p:style>
-        <p:txBody>
-          <a:bodyPr rtlCol="0" anchor="ctr"/>
-          <a:lstStyle/>
-          <a:p>
-            <a:pPr algn="ctr"/>
-            <a:r>
-              <a:rPr kumimoji="1" lang="ja-JP" altLang="en-US" dirty="0"/>
-              <a:t>進行方向</a:t>
-            </a:r>
-          </a:p>
-        </p:txBody>
-      </p:sp>
-      <p:sp>
-        <p:nvSpPr>
-          <p:cNvPr id="7" name="楕円 6">
-            <a:extLst>
-              <a:ext uri="{FF2B5EF4-FFF2-40B4-BE49-F238E27FC236}">
-                <a16:creationId xmlns:a16="http://schemas.microsoft.com/office/drawing/2014/main" id="{5A6ECDD0-BC98-4478-9BD3-1AA5F011713A}"/>
-              </a:ext>
-            </a:extLst>
-          </p:cNvPr>
-          <p:cNvSpPr/>
-          <p:nvPr/>
-        </p:nvSpPr>
-        <p:spPr>
-          <a:xfrm>
-            <a:off x="6129401" y="1813737"/>
-            <a:ext cx="926926" cy="893182"/>
-          </a:xfrm>
-          <a:prstGeom prst="ellipse">
-            <a:avLst/>
-          </a:prstGeom>
-          <a:noFill/>
-          <a:ln w="76200"/>
-        </p:spPr>
-        <p:style>
-          <a:lnRef idx="2">
-            <a:schemeClr val="accent1">
-              <a:shade val="50000"/>
-            </a:schemeClr>
-          </a:lnRef>
-          <a:fillRef idx="1">
-            <a:schemeClr val="accent1"/>
-          </a:fillRef>
-          <a:effectRef idx="0">
-            <a:schemeClr val="accent1"/>
-          </a:effectRef>
-          <a:fontRef idx="minor">
-            <a:schemeClr val="lt1"/>
-          </a:fontRef>
-        </p:style>
-        <p:txBody>
-          <a:bodyPr rtlCol="0" anchor="ctr"/>
-          <a:lstStyle/>
-          <a:p>
-            <a:pPr algn="ctr"/>
-            <a:endParaRPr kumimoji="1" lang="ja-JP" altLang="en-US"/>
-          </a:p>
-        </p:txBody>
-      </p:sp>
-      <p:sp>
-        <p:nvSpPr>
-          <p:cNvPr id="8" name="テキスト ボックス 7">
-            <a:extLst>
-              <a:ext uri="{FF2B5EF4-FFF2-40B4-BE49-F238E27FC236}">
-                <a16:creationId xmlns:a16="http://schemas.microsoft.com/office/drawing/2014/main" id="{39D673CB-2283-4E9F-9550-BBAF450E3F3A}"/>
-              </a:ext>
-            </a:extLst>
-          </p:cNvPr>
-          <p:cNvSpPr txBox="1"/>
-          <p:nvPr/>
-        </p:nvSpPr>
-        <p:spPr>
-          <a:xfrm>
-            <a:off x="7685171" y="963608"/>
-            <a:ext cx="3877985" cy="2062103"/>
-          </a:xfrm>
-          <a:prstGeom prst="rect">
-            <a:avLst/>
-          </a:prstGeom>
-          <a:solidFill>
-            <a:schemeClr val="bg1">
-              <a:lumMod val="95000"/>
-            </a:schemeClr>
-          </a:solidFill>
-        </p:spPr>
-        <p:txBody>
-          <a:bodyPr wrap="none" rtlCol="0">
-            <a:spAutoFit/>
-          </a:bodyPr>
-          <a:lstStyle/>
-          <a:p>
-            <a:r>
-              <a:rPr kumimoji="1" lang="ja-JP" altLang="en-US" sz="3200" dirty="0"/>
-              <a:t>敵を倒して経験値</a:t>
-            </a:r>
-            <a:r>
-              <a:rPr lang="ja-JP" altLang="en-US" sz="3200" dirty="0"/>
-              <a:t>＆</a:t>
-            </a:r>
-            <a:endParaRPr lang="en-US" altLang="ja-JP" sz="3200" dirty="0"/>
-          </a:p>
-          <a:p>
-            <a:r>
-              <a:rPr lang="ja-JP" altLang="en-US" sz="3200" dirty="0"/>
-              <a:t>素材</a:t>
-            </a:r>
-            <a:r>
-              <a:rPr kumimoji="1" lang="ja-JP" altLang="en-US" sz="3200" dirty="0"/>
-              <a:t>を取得</a:t>
-            </a:r>
-            <a:endParaRPr kumimoji="1" lang="en-US" altLang="ja-JP" sz="3200" dirty="0"/>
-          </a:p>
-          <a:p>
-            <a:endParaRPr lang="en-US" altLang="ja-JP" sz="3200" dirty="0"/>
-          </a:p>
-          <a:p>
-            <a:r>
-              <a:rPr lang="ja-JP" altLang="en-US" sz="3200" dirty="0"/>
-              <a:t>自分を強くしていく</a:t>
-            </a:r>
-            <a:endParaRPr kumimoji="1" lang="en-US" altLang="ja-JP" sz="3200" dirty="0"/>
-          </a:p>
-        </p:txBody>
-      </p:sp>
-      <p:cxnSp>
-        <p:nvCxnSpPr>
-          <p:cNvPr id="12" name="直線矢印コネクタ 11">
-            <a:extLst>
-              <a:ext uri="{FF2B5EF4-FFF2-40B4-BE49-F238E27FC236}">
-                <a16:creationId xmlns:a16="http://schemas.microsoft.com/office/drawing/2014/main" id="{37FD8326-016D-41B9-A387-6BAFF5183D28}"/>
-              </a:ext>
-            </a:extLst>
-          </p:cNvPr>
-          <p:cNvCxnSpPr>
-            <a:stCxn id="8" idx="1"/>
-            <a:endCxn id="7" idx="6"/>
-          </p:cNvCxnSpPr>
-          <p:nvPr/>
-        </p:nvCxnSpPr>
-        <p:spPr>
-          <a:xfrm flipH="1">
-            <a:off x="7056327" y="1994660"/>
-            <a:ext cx="628844" cy="265668"/>
-          </a:xfrm>
-          <a:prstGeom prst="straightConnector1">
-            <a:avLst/>
-          </a:prstGeom>
-          <a:ln w="57150">
-            <a:tailEnd type="triangle"/>
-          </a:ln>
-        </p:spPr>
-        <p:style>
-          <a:lnRef idx="1">
-            <a:schemeClr val="accent1"/>
-          </a:lnRef>
-          <a:fillRef idx="0">
-            <a:schemeClr val="accent1"/>
-          </a:fillRef>
-          <a:effectRef idx="0">
-            <a:schemeClr val="accent1"/>
-          </a:effectRef>
-          <a:fontRef idx="minor">
-            <a:schemeClr val="tx1"/>
-          </a:fontRef>
-        </p:style>
-      </p:cxnSp>
-    </p:spTree>
-    <p:extLst>
-      <p:ext uri="{BB962C8B-B14F-4D97-AF65-F5344CB8AC3E}">
-        <p14:creationId xmlns:p14="http://schemas.microsoft.com/office/powerpoint/2010/main" val="273807806"/>
-      </p:ext>
-    </p:extLst>
-  </p:cSld>
-  <p:clrMapOvr>
-    <a:masterClrMapping/>
-  </p:clrMapOvr>
-</p:sld>
-</file>
-
-<file path=ppt/slides/slide6.xml><?xml version="1.0" encoding="utf-8"?>
-<p:sld xmlns:a="http://schemas.openxmlformats.org/drawingml/2006/main" xmlns:r="http://schemas.openxmlformats.org/officeDocument/2006/relationships" xmlns:p="http://schemas.openxmlformats.org/presentationml/2006/main">
-  <p:cSld>
-    <p:spTree>
-      <p:nvGrpSpPr>
-        <p:cNvPr id="1" name=""/>
-        <p:cNvGrpSpPr/>
-        <p:nvPr/>
-      </p:nvGrpSpPr>
-      <p:grpSpPr>
-        <a:xfrm>
-          <a:off x="0" y="0"/>
-          <a:ext cx="0" cy="0"/>
-          <a:chOff x="0" y="0"/>
-          <a:chExt cx="0" cy="0"/>
-        </a:xfrm>
-      </p:grpSpPr>
-      <p:sp>
-        <p:nvSpPr>
-          <p:cNvPr id="3" name="テキスト ボックス 2">
-            <a:extLst>
-              <a:ext uri="{FF2B5EF4-FFF2-40B4-BE49-F238E27FC236}">
-                <a16:creationId xmlns:a16="http://schemas.microsoft.com/office/drawing/2014/main" id="{EC405148-2E9A-41F2-AB15-7676A5E46A0A}"/>
-              </a:ext>
-            </a:extLst>
-          </p:cNvPr>
-          <p:cNvSpPr txBox="1"/>
-          <p:nvPr/>
-        </p:nvSpPr>
-        <p:spPr>
-          <a:xfrm>
-            <a:off x="3114805" y="739035"/>
-            <a:ext cx="5962389" cy="707886"/>
-          </a:xfrm>
-          <a:prstGeom prst="rect">
-            <a:avLst/>
-          </a:prstGeom>
-          <a:noFill/>
-        </p:spPr>
-        <p:txBody>
-          <a:bodyPr wrap="square" rtlCol="0">
-            <a:spAutoFit/>
-          </a:bodyPr>
-          <a:lstStyle/>
-          <a:p>
-            <a:pPr algn="ctr"/>
-            <a:r>
-              <a:rPr lang="ja-JP" altLang="en-US" sz="4000" dirty="0"/>
-              <a:t>複数人プレイ</a:t>
-            </a:r>
-            <a:endParaRPr lang="en-US" altLang="ja-JP" sz="4000" dirty="0"/>
-          </a:p>
-        </p:txBody>
-      </p:sp>
-      <p:pic>
-        <p:nvPicPr>
-          <p:cNvPr id="4" name="図 3">
-            <a:extLst>
-              <a:ext uri="{FF2B5EF4-FFF2-40B4-BE49-F238E27FC236}">
-                <a16:creationId xmlns:a16="http://schemas.microsoft.com/office/drawing/2014/main" id="{A1EF6488-0B8E-44CC-99E3-53BB69759ED4}"/>
-              </a:ext>
-            </a:extLst>
-          </p:cNvPr>
-          <p:cNvPicPr>
-            <a:picLocks noChangeAspect="1"/>
-          </p:cNvPicPr>
-          <p:nvPr/>
-        </p:nvPicPr>
-        <p:blipFill>
-          <a:blip r:embed="rId2">
-            <a:extLst>
-              <a:ext uri="{28A0092B-C50C-407E-A947-70E740481C1C}">
-                <a14:useLocalDpi xmlns:a14="http://schemas.microsoft.com/office/drawing/2010/main" val="0"/>
-              </a:ext>
-            </a:extLst>
-          </a:blip>
-          <a:stretch>
-            <a:fillRect/>
-          </a:stretch>
-        </p:blipFill>
-        <p:spPr>
-          <a:xfrm>
-            <a:off x="3114805" y="3102948"/>
-            <a:ext cx="5962389" cy="3365941"/>
-          </a:xfrm>
-          <a:prstGeom prst="rect">
-            <a:avLst/>
-          </a:prstGeom>
-        </p:spPr>
-      </p:pic>
-      <p:sp>
-        <p:nvSpPr>
-          <p:cNvPr id="6" name="テキスト ボックス 5">
-            <a:extLst>
-              <a:ext uri="{FF2B5EF4-FFF2-40B4-BE49-F238E27FC236}">
-                <a16:creationId xmlns:a16="http://schemas.microsoft.com/office/drawing/2014/main" id="{CF6FA2DE-4E09-4641-87BD-B7407D04139C}"/>
-              </a:ext>
-            </a:extLst>
-          </p:cNvPr>
-          <p:cNvSpPr txBox="1"/>
-          <p:nvPr/>
-        </p:nvSpPr>
-        <p:spPr>
-          <a:xfrm>
-            <a:off x="1899978" y="2129062"/>
-            <a:ext cx="8392041" cy="584775"/>
-          </a:xfrm>
-          <a:prstGeom prst="rect">
-            <a:avLst/>
-          </a:prstGeom>
-          <a:noFill/>
-        </p:spPr>
-        <p:txBody>
-          <a:bodyPr wrap="none" rtlCol="0">
-            <a:spAutoFit/>
-          </a:bodyPr>
-          <a:lstStyle/>
-          <a:p>
-            <a:pPr algn="ctr"/>
-            <a:r>
-              <a:rPr kumimoji="1" lang="ja-JP" altLang="en-US" sz="3200" dirty="0"/>
-              <a:t>別の場所にいる仲間と合流して、ボスを倒す</a:t>
-            </a:r>
-          </a:p>
-        </p:txBody>
-      </p:sp>
-      <p:sp>
-        <p:nvSpPr>
-          <p:cNvPr id="7" name="楕円 6">
-            <a:extLst>
-              <a:ext uri="{FF2B5EF4-FFF2-40B4-BE49-F238E27FC236}">
-                <a16:creationId xmlns:a16="http://schemas.microsoft.com/office/drawing/2014/main" id="{55B323BC-9FE2-4198-9E29-861D9659DDB1}"/>
-              </a:ext>
-            </a:extLst>
-          </p:cNvPr>
-          <p:cNvSpPr/>
-          <p:nvPr/>
-        </p:nvSpPr>
-        <p:spPr>
-          <a:xfrm>
-            <a:off x="3206663" y="2713837"/>
-            <a:ext cx="2889337" cy="2309100"/>
-          </a:xfrm>
-          <a:prstGeom prst="ellipse">
-            <a:avLst/>
-          </a:prstGeom>
-          <a:noFill/>
-          <a:ln w="76200"/>
-        </p:spPr>
-        <p:style>
-          <a:lnRef idx="2">
-            <a:schemeClr val="accent1">
-              <a:shade val="50000"/>
-            </a:schemeClr>
-          </a:lnRef>
-          <a:fillRef idx="1">
-            <a:schemeClr val="accent1"/>
-          </a:fillRef>
-          <a:effectRef idx="0">
-            <a:schemeClr val="accent1"/>
-          </a:effectRef>
-          <a:fontRef idx="minor">
-            <a:schemeClr val="lt1"/>
-          </a:fontRef>
-        </p:style>
-        <p:txBody>
-          <a:bodyPr rtlCol="0" anchor="ctr"/>
-          <a:lstStyle/>
-          <a:p>
-            <a:pPr algn="ctr"/>
-            <a:endParaRPr kumimoji="1" lang="ja-JP" altLang="en-US"/>
-          </a:p>
-        </p:txBody>
-      </p:sp>
-      <p:sp>
-        <p:nvSpPr>
-          <p:cNvPr id="8" name="テキスト ボックス 7">
-            <a:extLst>
-              <a:ext uri="{FF2B5EF4-FFF2-40B4-BE49-F238E27FC236}">
-                <a16:creationId xmlns:a16="http://schemas.microsoft.com/office/drawing/2014/main" id="{99A890AD-58E2-4C78-9ACA-DA087910BAA2}"/>
-              </a:ext>
-            </a:extLst>
-          </p:cNvPr>
-          <p:cNvSpPr txBox="1"/>
-          <p:nvPr/>
-        </p:nvSpPr>
-        <p:spPr>
-          <a:xfrm>
-            <a:off x="865016" y="3128000"/>
-            <a:ext cx="800219" cy="461665"/>
-          </a:xfrm>
-          <a:prstGeom prst="rect">
-            <a:avLst/>
-          </a:prstGeom>
-          <a:noFill/>
-        </p:spPr>
-        <p:txBody>
-          <a:bodyPr wrap="none" rtlCol="0">
-            <a:spAutoFit/>
-          </a:bodyPr>
-          <a:lstStyle/>
-          <a:p>
-            <a:r>
-              <a:rPr kumimoji="1" lang="ja-JP" altLang="en-US" sz="2400" dirty="0">
-                <a:solidFill>
-                  <a:schemeClr val="accent6">
-                    <a:lumMod val="50000"/>
-                  </a:schemeClr>
-                </a:solidFill>
-                <a:highlight>
-                  <a:srgbClr val="00FF00"/>
-                </a:highlight>
-              </a:rPr>
-              <a:t>ボス</a:t>
-            </a:r>
-          </a:p>
-        </p:txBody>
-      </p:sp>
-      <p:cxnSp>
-        <p:nvCxnSpPr>
-          <p:cNvPr id="10" name="直線矢印コネクタ 9">
-            <a:extLst>
-              <a:ext uri="{FF2B5EF4-FFF2-40B4-BE49-F238E27FC236}">
-                <a16:creationId xmlns:a16="http://schemas.microsoft.com/office/drawing/2014/main" id="{5ABBFACE-760F-4F0C-BC70-EC47E074C515}"/>
-              </a:ext>
-            </a:extLst>
-          </p:cNvPr>
-          <p:cNvCxnSpPr>
-            <a:cxnSpLocks/>
-            <a:stCxn id="8" idx="3"/>
-            <a:endCxn id="7" idx="2"/>
-          </p:cNvCxnSpPr>
-          <p:nvPr/>
-        </p:nvCxnSpPr>
-        <p:spPr>
-          <a:xfrm>
-            <a:off x="1665235" y="3358833"/>
-            <a:ext cx="1541428" cy="509554"/>
-          </a:xfrm>
-          <a:prstGeom prst="straightConnector1">
-            <a:avLst/>
-          </a:prstGeom>
-          <a:ln w="57150">
-            <a:tailEnd type="triangle"/>
-          </a:ln>
-        </p:spPr>
-        <p:style>
-          <a:lnRef idx="1">
-            <a:schemeClr val="accent1"/>
-          </a:lnRef>
-          <a:fillRef idx="0">
-            <a:schemeClr val="accent1"/>
-          </a:fillRef>
-          <a:effectRef idx="0">
-            <a:schemeClr val="accent1"/>
-          </a:effectRef>
-          <a:fontRef idx="minor">
-            <a:schemeClr val="tx1"/>
-          </a:fontRef>
-        </p:style>
-      </p:cxnSp>
-    </p:spTree>
-    <p:extLst>
-      <p:ext uri="{BB962C8B-B14F-4D97-AF65-F5344CB8AC3E}">
-        <p14:creationId xmlns:p14="http://schemas.microsoft.com/office/powerpoint/2010/main" val="3937956277"/>
-      </p:ext>
-    </p:extLst>
-  </p:cSld>
-  <p:clrMapOvr>
-    <a:masterClrMapping/>
-  </p:clrMapOvr>
-</p:sld>
-</file>
-
 <file path=ppt/slides/slide7.xml><?xml version="1.0" encoding="utf-8"?>
 <p:sld xmlns:a="http://schemas.openxmlformats.org/drawingml/2006/main" xmlns:r="http://schemas.openxmlformats.org/officeDocument/2006/relationships" xmlns:p="http://schemas.openxmlformats.org/presentationml/2006/main">
   <p:cSld>
@@ -10521,7 +10390,7 @@
             <a:pPr algn="ctr"/>
             <a:r>
               <a:rPr kumimoji="1" lang="en-US" altLang="ja-JP" dirty="0"/>
-              <a:t>11/25</a:t>
+              <a:t>11/30</a:t>
             </a:r>
             <a:r>
               <a:rPr kumimoji="1" lang="ja-JP" altLang="en-US" dirty="0"/>
@@ -10545,17 +10414,9 @@
             <a:pPr algn="ctr"/>
             <a:r>
               <a:rPr kumimoji="1" lang="ja-JP" altLang="en-US" dirty="0"/>
-              <a:t>武器</a:t>
-            </a:r>
-            <a:r>
-              <a:rPr kumimoji="1" lang="en-US" altLang="ja-JP" dirty="0"/>
-              <a:t>,</a:t>
-            </a:r>
-            <a:r>
-              <a:rPr kumimoji="1" lang="ja-JP" altLang="en-US" dirty="0"/>
-              <a:t>防具の強化ができるように</a:t>
-            </a:r>
-            <a:endParaRPr lang="en-US" altLang="ja-JP" dirty="0"/>
+              <a:t>ステージ選択時の画像</a:t>
+            </a:r>
+            <a:endParaRPr kumimoji="1" lang="en-US" altLang="ja-JP" dirty="0"/>
           </a:p>
           <a:p>
             <a:pPr algn="ctr"/>
@@ -10607,6 +10468,10 @@
           <a:lstStyle/>
           <a:p>
             <a:pPr algn="ctr"/>
+            <a:r>
+              <a:rPr kumimoji="1" lang="ja-JP" altLang="en-US" dirty="0"/>
+              <a:t>マスター</a:t>
+            </a:r>
             <a:endParaRPr kumimoji="1" lang="en-US" altLang="ja-JP" dirty="0"/>
           </a:p>
           <a:p>
@@ -10696,7 +10561,7 @@
             <a:pPr algn="ctr"/>
             <a:r>
               <a:rPr kumimoji="1" lang="en-US" altLang="ja-JP" dirty="0"/>
-              <a:t>10/30</a:t>
+              <a:t>11/10</a:t>
             </a:r>
             <a:r>
               <a:rPr kumimoji="1" lang="ja-JP" altLang="en-US" dirty="0"/>
@@ -10711,33 +10576,26 @@
           <a:p>
             <a:pPr algn="ctr"/>
             <a:r>
-              <a:rPr lang="ja-JP" altLang="en-US" dirty="0"/>
-              <a:t>複数人プレイができるように</a:t>
-            </a:r>
-            <a:endParaRPr lang="en-US" altLang="ja-JP" dirty="0"/>
+              <a:rPr kumimoji="1" lang="ja-JP" altLang="en-US" dirty="0"/>
+              <a:t>アイテムの保持、表示</a:t>
+            </a:r>
+            <a:endParaRPr kumimoji="1" lang="en-US" altLang="ja-JP" dirty="0"/>
           </a:p>
           <a:p>
             <a:pPr algn="ctr"/>
             <a:r>
-              <a:rPr lang="ja-JP" altLang="en-US" dirty="0"/>
-              <a:t>・ルームの作成</a:t>
-            </a:r>
-            <a:endParaRPr lang="en-US" altLang="ja-JP" dirty="0"/>
+              <a:rPr kumimoji="1" lang="ja-JP" altLang="en-US" dirty="0"/>
+              <a:t>ポーズ画面</a:t>
+            </a:r>
+            <a:endParaRPr kumimoji="1" lang="en-US" altLang="ja-JP" dirty="0"/>
           </a:p>
           <a:p>
             <a:pPr algn="ctr"/>
-            <a:r>
-              <a:rPr lang="ja-JP" altLang="en-US" dirty="0"/>
-              <a:t>・動きの同期</a:t>
-            </a:r>
-            <a:endParaRPr lang="en-US" altLang="ja-JP" dirty="0"/>
+            <a:endParaRPr kumimoji="1" lang="en-US" altLang="ja-JP" dirty="0"/>
           </a:p>
           <a:p>
             <a:pPr algn="ctr"/>
-            <a:r>
-              <a:rPr kumimoji="1" lang="ja-JP" altLang="en-US" dirty="0"/>
-              <a:t>アイテムの保持</a:t>
-            </a:r>
+            <a:endParaRPr kumimoji="1" lang="ja-JP" altLang="en-US" dirty="0"/>
           </a:p>
         </p:txBody>
       </p:sp>
